--- a/SlidesPublicação/SLIDE- Esturutura de Dados II.pptx
+++ b/SlidesPublicação/SLIDE- Esturutura de Dados II.pptx
@@ -107,6 +107,22 @@
       </a:defRPr>
     </a:lvl9pPr>
   </p:defaultTextStyle>
+  <p:extLst>
+    <p:ext uri="{EFAFB233-063F-42B5-8137-9DF3F51BA10A}">
+      <p15:sldGuideLst xmlns:p15="http://schemas.microsoft.com/office/powerpoint/2012/main">
+        <p15:guide id="1" orient="horz" pos="2160">
+          <p15:clr>
+            <a:srgbClr val="A4A3A4"/>
+          </p15:clr>
+        </p15:guide>
+        <p15:guide id="2" pos="2880">
+          <p15:clr>
+            <a:srgbClr val="A4A3A4"/>
+          </p15:clr>
+        </p15:guide>
+      </p15:sldGuideLst>
+    </p:ext>
+  </p:extLst>
 </p:presentation>
 </file>
 
@@ -148,10 +164,9 @@
           <a:lstStyle/>
           <a:p>
             <a:r>
-              <a:rPr lang="pt-BR" smtClean="0"/>
+              <a:rPr lang="pt-BR"/>
               <a:t>Clique para editar o estilo do título mestre</a:t>
             </a:r>
-            <a:endParaRPr lang="pt-BR"/>
           </a:p>
         </p:txBody>
       </p:sp>
@@ -267,10 +282,9 @@
           </a:lstStyle>
           <a:p>
             <a:r>
-              <a:rPr lang="pt-BR" smtClean="0"/>
+              <a:rPr lang="pt-BR"/>
               <a:t>Clique para editar o estilo do subtítulo mestre</a:t>
             </a:r>
-            <a:endParaRPr lang="pt-BR"/>
           </a:p>
         </p:txBody>
       </p:sp>
@@ -291,7 +305,7 @@
           <a:p>
             <a:fld id="{2E700DB3-DBF0-4086-B675-117E7A9610B8}" type="datetimeFigureOut">
               <a:rPr lang="pt-BR" smtClean="0"/>
-              <a:t>11/11/2018</a:t>
+              <a:t>22/01/2021</a:t>
             </a:fld>
             <a:endParaRPr lang="pt-BR"/>
           </a:p>
@@ -380,10 +394,9 @@
           <a:lstStyle/>
           <a:p>
             <a:r>
-              <a:rPr lang="pt-BR" smtClean="0"/>
+              <a:rPr lang="pt-BR"/>
               <a:t>Clique para editar o estilo do título mestre</a:t>
             </a:r>
-            <a:endParaRPr lang="pt-BR"/>
           </a:p>
         </p:txBody>
       </p:sp>
@@ -404,38 +417,37 @@
           <a:p>
             <a:pPr lvl="0"/>
             <a:r>
-              <a:rPr lang="pt-BR" smtClean="0"/>
+              <a:rPr lang="pt-BR"/>
               <a:t>Clique para editar os estilos do texto mestre</a:t>
             </a:r>
           </a:p>
           <a:p>
             <a:pPr lvl="1"/>
             <a:r>
-              <a:rPr lang="pt-BR" smtClean="0"/>
+              <a:rPr lang="pt-BR"/>
               <a:t>Segundo nível</a:t>
             </a:r>
           </a:p>
           <a:p>
             <a:pPr lvl="2"/>
             <a:r>
-              <a:rPr lang="pt-BR" smtClean="0"/>
+              <a:rPr lang="pt-BR"/>
               <a:t>Terceiro nível</a:t>
             </a:r>
           </a:p>
           <a:p>
             <a:pPr lvl="3"/>
             <a:r>
-              <a:rPr lang="pt-BR" smtClean="0"/>
+              <a:rPr lang="pt-BR"/>
               <a:t>Quarto nível</a:t>
             </a:r>
           </a:p>
           <a:p>
             <a:pPr lvl="4"/>
             <a:r>
-              <a:rPr lang="pt-BR" smtClean="0"/>
+              <a:rPr lang="pt-BR"/>
               <a:t>Quinto nível</a:t>
             </a:r>
-            <a:endParaRPr lang="pt-BR"/>
           </a:p>
         </p:txBody>
       </p:sp>
@@ -456,7 +468,7 @@
           <a:p>
             <a:fld id="{2E700DB3-DBF0-4086-B675-117E7A9610B8}" type="datetimeFigureOut">
               <a:rPr lang="pt-BR" smtClean="0"/>
-              <a:t>11/11/2018</a:t>
+              <a:t>22/01/2021</a:t>
             </a:fld>
             <a:endParaRPr lang="pt-BR"/>
           </a:p>
@@ -550,10 +562,9 @@
           <a:lstStyle/>
           <a:p>
             <a:r>
-              <a:rPr lang="pt-BR" smtClean="0"/>
+              <a:rPr lang="pt-BR"/>
               <a:t>Clique para editar o estilo do título mestre</a:t>
             </a:r>
-            <a:endParaRPr lang="pt-BR"/>
           </a:p>
         </p:txBody>
       </p:sp>
@@ -579,38 +590,37 @@
           <a:p>
             <a:pPr lvl="0"/>
             <a:r>
-              <a:rPr lang="pt-BR" smtClean="0"/>
+              <a:rPr lang="pt-BR"/>
               <a:t>Clique para editar os estilos do texto mestre</a:t>
             </a:r>
           </a:p>
           <a:p>
             <a:pPr lvl="1"/>
             <a:r>
-              <a:rPr lang="pt-BR" smtClean="0"/>
+              <a:rPr lang="pt-BR"/>
               <a:t>Segundo nível</a:t>
             </a:r>
           </a:p>
           <a:p>
             <a:pPr lvl="2"/>
             <a:r>
-              <a:rPr lang="pt-BR" smtClean="0"/>
+              <a:rPr lang="pt-BR"/>
               <a:t>Terceiro nível</a:t>
             </a:r>
           </a:p>
           <a:p>
             <a:pPr lvl="3"/>
             <a:r>
-              <a:rPr lang="pt-BR" smtClean="0"/>
+              <a:rPr lang="pt-BR"/>
               <a:t>Quarto nível</a:t>
             </a:r>
           </a:p>
           <a:p>
             <a:pPr lvl="4"/>
             <a:r>
-              <a:rPr lang="pt-BR" smtClean="0"/>
+              <a:rPr lang="pt-BR"/>
               <a:t>Quinto nível</a:t>
             </a:r>
-            <a:endParaRPr lang="pt-BR"/>
           </a:p>
         </p:txBody>
       </p:sp>
@@ -631,7 +641,7 @@
           <a:p>
             <a:fld id="{2E700DB3-DBF0-4086-B675-117E7A9610B8}" type="datetimeFigureOut">
               <a:rPr lang="pt-BR" smtClean="0"/>
-              <a:t>11/11/2018</a:t>
+              <a:t>22/01/2021</a:t>
             </a:fld>
             <a:endParaRPr lang="pt-BR"/>
           </a:p>
@@ -720,10 +730,9 @@
           <a:lstStyle/>
           <a:p>
             <a:r>
-              <a:rPr lang="pt-BR" smtClean="0"/>
+              <a:rPr lang="pt-BR"/>
               <a:t>Clique para editar o estilo do título mestre</a:t>
             </a:r>
-            <a:endParaRPr lang="pt-BR"/>
           </a:p>
         </p:txBody>
       </p:sp>
@@ -744,38 +753,37 @@
           <a:p>
             <a:pPr lvl="0"/>
             <a:r>
-              <a:rPr lang="pt-BR" smtClean="0"/>
+              <a:rPr lang="pt-BR"/>
               <a:t>Clique para editar os estilos do texto mestre</a:t>
             </a:r>
           </a:p>
           <a:p>
             <a:pPr lvl="1"/>
             <a:r>
-              <a:rPr lang="pt-BR" smtClean="0"/>
+              <a:rPr lang="pt-BR"/>
               <a:t>Segundo nível</a:t>
             </a:r>
           </a:p>
           <a:p>
             <a:pPr lvl="2"/>
             <a:r>
-              <a:rPr lang="pt-BR" smtClean="0"/>
+              <a:rPr lang="pt-BR"/>
               <a:t>Terceiro nível</a:t>
             </a:r>
           </a:p>
           <a:p>
             <a:pPr lvl="3"/>
             <a:r>
-              <a:rPr lang="pt-BR" smtClean="0"/>
+              <a:rPr lang="pt-BR"/>
               <a:t>Quarto nível</a:t>
             </a:r>
           </a:p>
           <a:p>
             <a:pPr lvl="4"/>
             <a:r>
-              <a:rPr lang="pt-BR" smtClean="0"/>
+              <a:rPr lang="pt-BR"/>
               <a:t>Quinto nível</a:t>
             </a:r>
-            <a:endParaRPr lang="pt-BR"/>
           </a:p>
         </p:txBody>
       </p:sp>
@@ -796,7 +804,7 @@
           <a:p>
             <a:fld id="{2E700DB3-DBF0-4086-B675-117E7A9610B8}" type="datetimeFigureOut">
               <a:rPr lang="pt-BR" smtClean="0"/>
-              <a:t>11/11/2018</a:t>
+              <a:t>22/01/2021</a:t>
             </a:fld>
             <a:endParaRPr lang="pt-BR"/>
           </a:p>
@@ -894,10 +902,9 @@
           </a:lstStyle>
           <a:p>
             <a:r>
-              <a:rPr lang="pt-BR" smtClean="0"/>
+              <a:rPr lang="pt-BR"/>
               <a:t>Clique para editar o estilo do título mestre</a:t>
             </a:r>
-            <a:endParaRPr lang="pt-BR"/>
           </a:p>
         </p:txBody>
       </p:sp>
@@ -1014,7 +1021,7 @@
           <a:p>
             <a:pPr lvl="0"/>
             <a:r>
-              <a:rPr lang="pt-BR" smtClean="0"/>
+              <a:rPr lang="pt-BR"/>
               <a:t>Clique para editar os estilos do texto mestre</a:t>
             </a:r>
           </a:p>
@@ -1037,7 +1044,7 @@
           <a:p>
             <a:fld id="{2E700DB3-DBF0-4086-B675-117E7A9610B8}" type="datetimeFigureOut">
               <a:rPr lang="pt-BR" smtClean="0"/>
-              <a:t>11/11/2018</a:t>
+              <a:t>22/01/2021</a:t>
             </a:fld>
             <a:endParaRPr lang="pt-BR"/>
           </a:p>
@@ -1126,10 +1133,9 @@
           <a:lstStyle/>
           <a:p>
             <a:r>
-              <a:rPr lang="pt-BR" smtClean="0"/>
+              <a:rPr lang="pt-BR"/>
               <a:t>Clique para editar o estilo do título mestre</a:t>
             </a:r>
-            <a:endParaRPr lang="pt-BR"/>
           </a:p>
         </p:txBody>
       </p:sp>
@@ -1183,38 +1189,37 @@
           <a:p>
             <a:pPr lvl="0"/>
             <a:r>
-              <a:rPr lang="pt-BR" smtClean="0"/>
+              <a:rPr lang="pt-BR"/>
               <a:t>Clique para editar os estilos do texto mestre</a:t>
             </a:r>
           </a:p>
           <a:p>
             <a:pPr lvl="1"/>
             <a:r>
-              <a:rPr lang="pt-BR" smtClean="0"/>
+              <a:rPr lang="pt-BR"/>
               <a:t>Segundo nível</a:t>
             </a:r>
           </a:p>
           <a:p>
             <a:pPr lvl="2"/>
             <a:r>
-              <a:rPr lang="pt-BR" smtClean="0"/>
+              <a:rPr lang="pt-BR"/>
               <a:t>Terceiro nível</a:t>
             </a:r>
           </a:p>
           <a:p>
             <a:pPr lvl="3"/>
             <a:r>
-              <a:rPr lang="pt-BR" smtClean="0"/>
+              <a:rPr lang="pt-BR"/>
               <a:t>Quarto nível</a:t>
             </a:r>
           </a:p>
           <a:p>
             <a:pPr lvl="4"/>
             <a:r>
-              <a:rPr lang="pt-BR" smtClean="0"/>
+              <a:rPr lang="pt-BR"/>
               <a:t>Quinto nível</a:t>
             </a:r>
-            <a:endParaRPr lang="pt-BR"/>
           </a:p>
         </p:txBody>
       </p:sp>
@@ -1268,38 +1273,37 @@
           <a:p>
             <a:pPr lvl="0"/>
             <a:r>
-              <a:rPr lang="pt-BR" smtClean="0"/>
+              <a:rPr lang="pt-BR"/>
               <a:t>Clique para editar os estilos do texto mestre</a:t>
             </a:r>
           </a:p>
           <a:p>
             <a:pPr lvl="1"/>
             <a:r>
-              <a:rPr lang="pt-BR" smtClean="0"/>
+              <a:rPr lang="pt-BR"/>
               <a:t>Segundo nível</a:t>
             </a:r>
           </a:p>
           <a:p>
             <a:pPr lvl="2"/>
             <a:r>
-              <a:rPr lang="pt-BR" smtClean="0"/>
+              <a:rPr lang="pt-BR"/>
               <a:t>Terceiro nível</a:t>
             </a:r>
           </a:p>
           <a:p>
             <a:pPr lvl="3"/>
             <a:r>
-              <a:rPr lang="pt-BR" smtClean="0"/>
+              <a:rPr lang="pt-BR"/>
               <a:t>Quarto nível</a:t>
             </a:r>
           </a:p>
           <a:p>
             <a:pPr lvl="4"/>
             <a:r>
-              <a:rPr lang="pt-BR" smtClean="0"/>
+              <a:rPr lang="pt-BR"/>
               <a:t>Quinto nível</a:t>
             </a:r>
-            <a:endParaRPr lang="pt-BR"/>
           </a:p>
         </p:txBody>
       </p:sp>
@@ -1320,7 +1324,7 @@
           <a:p>
             <a:fld id="{2E700DB3-DBF0-4086-B675-117E7A9610B8}" type="datetimeFigureOut">
               <a:rPr lang="pt-BR" smtClean="0"/>
-              <a:t>11/11/2018</a:t>
+              <a:t>22/01/2021</a:t>
             </a:fld>
             <a:endParaRPr lang="pt-BR"/>
           </a:p>
@@ -1413,10 +1417,9 @@
           </a:lstStyle>
           <a:p>
             <a:r>
-              <a:rPr lang="pt-BR" smtClean="0"/>
+              <a:rPr lang="pt-BR"/>
               <a:t>Clique para editar o estilo do título mestre</a:t>
             </a:r>
-            <a:endParaRPr lang="pt-BR"/>
           </a:p>
         </p:txBody>
       </p:sp>
@@ -1479,7 +1482,7 @@
           <a:p>
             <a:pPr lvl="0"/>
             <a:r>
-              <a:rPr lang="pt-BR" smtClean="0"/>
+              <a:rPr lang="pt-BR"/>
               <a:t>Clique para editar os estilos do texto mestre</a:t>
             </a:r>
           </a:p>
@@ -1535,38 +1538,37 @@
           <a:p>
             <a:pPr lvl="0"/>
             <a:r>
-              <a:rPr lang="pt-BR" smtClean="0"/>
+              <a:rPr lang="pt-BR"/>
               <a:t>Clique para editar os estilos do texto mestre</a:t>
             </a:r>
           </a:p>
           <a:p>
             <a:pPr lvl="1"/>
             <a:r>
-              <a:rPr lang="pt-BR" smtClean="0"/>
+              <a:rPr lang="pt-BR"/>
               <a:t>Segundo nível</a:t>
             </a:r>
           </a:p>
           <a:p>
             <a:pPr lvl="2"/>
             <a:r>
-              <a:rPr lang="pt-BR" smtClean="0"/>
+              <a:rPr lang="pt-BR"/>
               <a:t>Terceiro nível</a:t>
             </a:r>
           </a:p>
           <a:p>
             <a:pPr lvl="3"/>
             <a:r>
-              <a:rPr lang="pt-BR" smtClean="0"/>
+              <a:rPr lang="pt-BR"/>
               <a:t>Quarto nível</a:t>
             </a:r>
           </a:p>
           <a:p>
             <a:pPr lvl="4"/>
             <a:r>
-              <a:rPr lang="pt-BR" smtClean="0"/>
+              <a:rPr lang="pt-BR"/>
               <a:t>Quinto nível</a:t>
             </a:r>
-            <a:endParaRPr lang="pt-BR"/>
           </a:p>
         </p:txBody>
       </p:sp>
@@ -1629,7 +1631,7 @@
           <a:p>
             <a:pPr lvl="0"/>
             <a:r>
-              <a:rPr lang="pt-BR" smtClean="0"/>
+              <a:rPr lang="pt-BR"/>
               <a:t>Clique para editar os estilos do texto mestre</a:t>
             </a:r>
           </a:p>
@@ -1685,38 +1687,37 @@
           <a:p>
             <a:pPr lvl="0"/>
             <a:r>
-              <a:rPr lang="pt-BR" smtClean="0"/>
+              <a:rPr lang="pt-BR"/>
               <a:t>Clique para editar os estilos do texto mestre</a:t>
             </a:r>
           </a:p>
           <a:p>
             <a:pPr lvl="1"/>
             <a:r>
-              <a:rPr lang="pt-BR" smtClean="0"/>
+              <a:rPr lang="pt-BR"/>
               <a:t>Segundo nível</a:t>
             </a:r>
           </a:p>
           <a:p>
             <a:pPr lvl="2"/>
             <a:r>
-              <a:rPr lang="pt-BR" smtClean="0"/>
+              <a:rPr lang="pt-BR"/>
               <a:t>Terceiro nível</a:t>
             </a:r>
           </a:p>
           <a:p>
             <a:pPr lvl="3"/>
             <a:r>
-              <a:rPr lang="pt-BR" smtClean="0"/>
+              <a:rPr lang="pt-BR"/>
               <a:t>Quarto nível</a:t>
             </a:r>
           </a:p>
           <a:p>
             <a:pPr lvl="4"/>
             <a:r>
-              <a:rPr lang="pt-BR" smtClean="0"/>
+              <a:rPr lang="pt-BR"/>
               <a:t>Quinto nível</a:t>
             </a:r>
-            <a:endParaRPr lang="pt-BR"/>
           </a:p>
         </p:txBody>
       </p:sp>
@@ -1737,7 +1738,7 @@
           <a:p>
             <a:fld id="{2E700DB3-DBF0-4086-B675-117E7A9610B8}" type="datetimeFigureOut">
               <a:rPr lang="pt-BR" smtClean="0"/>
-              <a:t>11/11/2018</a:t>
+              <a:t>22/01/2021</a:t>
             </a:fld>
             <a:endParaRPr lang="pt-BR"/>
           </a:p>
@@ -1826,10 +1827,9 @@
           <a:lstStyle/>
           <a:p>
             <a:r>
-              <a:rPr lang="pt-BR" smtClean="0"/>
+              <a:rPr lang="pt-BR"/>
               <a:t>Clique para editar o estilo do título mestre</a:t>
             </a:r>
-            <a:endParaRPr lang="pt-BR"/>
           </a:p>
         </p:txBody>
       </p:sp>
@@ -1850,7 +1850,7 @@
           <a:p>
             <a:fld id="{2E700DB3-DBF0-4086-B675-117E7A9610B8}" type="datetimeFigureOut">
               <a:rPr lang="pt-BR" smtClean="0"/>
-              <a:t>11/11/2018</a:t>
+              <a:t>22/01/2021</a:t>
             </a:fld>
             <a:endParaRPr lang="pt-BR"/>
           </a:p>
@@ -1940,7 +1940,7 @@
           <a:p>
             <a:fld id="{2E700DB3-DBF0-4086-B675-117E7A9610B8}" type="datetimeFigureOut">
               <a:rPr lang="pt-BR" smtClean="0"/>
-              <a:t>11/11/2018</a:t>
+              <a:t>22/01/2021</a:t>
             </a:fld>
             <a:endParaRPr lang="pt-BR"/>
           </a:p>
@@ -2038,10 +2038,9 @@
           </a:lstStyle>
           <a:p>
             <a:r>
-              <a:rPr lang="pt-BR" smtClean="0"/>
+              <a:rPr lang="pt-BR"/>
               <a:t>Clique para editar o estilo do título mestre</a:t>
             </a:r>
-            <a:endParaRPr lang="pt-BR"/>
           </a:p>
         </p:txBody>
       </p:sp>
@@ -2095,38 +2094,37 @@
           <a:p>
             <a:pPr lvl="0"/>
             <a:r>
-              <a:rPr lang="pt-BR" smtClean="0"/>
+              <a:rPr lang="pt-BR"/>
               <a:t>Clique para editar os estilos do texto mestre</a:t>
             </a:r>
           </a:p>
           <a:p>
             <a:pPr lvl="1"/>
             <a:r>
-              <a:rPr lang="pt-BR" smtClean="0"/>
+              <a:rPr lang="pt-BR"/>
               <a:t>Segundo nível</a:t>
             </a:r>
           </a:p>
           <a:p>
             <a:pPr lvl="2"/>
             <a:r>
-              <a:rPr lang="pt-BR" smtClean="0"/>
+              <a:rPr lang="pt-BR"/>
               <a:t>Terceiro nível</a:t>
             </a:r>
           </a:p>
           <a:p>
             <a:pPr lvl="3"/>
             <a:r>
-              <a:rPr lang="pt-BR" smtClean="0"/>
+              <a:rPr lang="pt-BR"/>
               <a:t>Quarto nível</a:t>
             </a:r>
           </a:p>
           <a:p>
             <a:pPr lvl="4"/>
             <a:r>
-              <a:rPr lang="pt-BR" smtClean="0"/>
+              <a:rPr lang="pt-BR"/>
               <a:t>Quinto nível</a:t>
             </a:r>
-            <a:endParaRPr lang="pt-BR"/>
           </a:p>
         </p:txBody>
       </p:sp>
@@ -2189,7 +2187,7 @@
           <a:p>
             <a:pPr lvl="0"/>
             <a:r>
-              <a:rPr lang="pt-BR" smtClean="0"/>
+              <a:rPr lang="pt-BR"/>
               <a:t>Clique para editar os estilos do texto mestre</a:t>
             </a:r>
           </a:p>
@@ -2212,7 +2210,7 @@
           <a:p>
             <a:fld id="{2E700DB3-DBF0-4086-B675-117E7A9610B8}" type="datetimeFigureOut">
               <a:rPr lang="pt-BR" smtClean="0"/>
-              <a:t>11/11/2018</a:t>
+              <a:t>22/01/2021</a:t>
             </a:fld>
             <a:endParaRPr lang="pt-BR"/>
           </a:p>
@@ -2310,10 +2308,9 @@
           </a:lstStyle>
           <a:p>
             <a:r>
-              <a:rPr lang="pt-BR" smtClean="0"/>
+              <a:rPr lang="pt-BR"/>
               <a:t>Clique para editar o estilo do título mestre</a:t>
             </a:r>
-            <a:endParaRPr lang="pt-BR"/>
           </a:p>
         </p:txBody>
       </p:sp>
@@ -2437,7 +2434,7 @@
           <a:p>
             <a:pPr lvl="0"/>
             <a:r>
-              <a:rPr lang="pt-BR" smtClean="0"/>
+              <a:rPr lang="pt-BR"/>
               <a:t>Clique para editar os estilos do texto mestre</a:t>
             </a:r>
           </a:p>
@@ -2460,7 +2457,7 @@
           <a:p>
             <a:fld id="{2E700DB3-DBF0-4086-B675-117E7A9610B8}" type="datetimeFigureOut">
               <a:rPr lang="pt-BR" smtClean="0"/>
-              <a:t>11/11/2018</a:t>
+              <a:t>22/01/2021</a:t>
             </a:fld>
             <a:endParaRPr lang="pt-BR"/>
           </a:p>
@@ -2564,10 +2561,9 @@
           <a:lstStyle/>
           <a:p>
             <a:r>
-              <a:rPr lang="pt-BR" smtClean="0"/>
+              <a:rPr lang="pt-BR"/>
               <a:t>Clique para editar o estilo do título mestre</a:t>
             </a:r>
-            <a:endParaRPr lang="pt-BR"/>
           </a:p>
         </p:txBody>
       </p:sp>
@@ -2598,38 +2594,37 @@
           <a:p>
             <a:pPr lvl="0"/>
             <a:r>
-              <a:rPr lang="pt-BR" smtClean="0"/>
+              <a:rPr lang="pt-BR"/>
               <a:t>Clique para editar os estilos do texto mestre</a:t>
             </a:r>
           </a:p>
           <a:p>
             <a:pPr lvl="1"/>
             <a:r>
-              <a:rPr lang="pt-BR" smtClean="0"/>
+              <a:rPr lang="pt-BR"/>
               <a:t>Segundo nível</a:t>
             </a:r>
           </a:p>
           <a:p>
             <a:pPr lvl="2"/>
             <a:r>
-              <a:rPr lang="pt-BR" smtClean="0"/>
+              <a:rPr lang="pt-BR"/>
               <a:t>Terceiro nível</a:t>
             </a:r>
           </a:p>
           <a:p>
             <a:pPr lvl="3"/>
             <a:r>
-              <a:rPr lang="pt-BR" smtClean="0"/>
+              <a:rPr lang="pt-BR"/>
               <a:t>Quarto nível</a:t>
             </a:r>
           </a:p>
           <a:p>
             <a:pPr lvl="4"/>
             <a:r>
-              <a:rPr lang="pt-BR" smtClean="0"/>
+              <a:rPr lang="pt-BR"/>
               <a:t>Quinto nível</a:t>
             </a:r>
-            <a:endParaRPr lang="pt-BR"/>
           </a:p>
         </p:txBody>
       </p:sp>
@@ -2668,7 +2663,7 @@
           <a:p>
             <a:fld id="{2E700DB3-DBF0-4086-B675-117E7A9610B8}" type="datetimeFigureOut">
               <a:rPr lang="pt-BR" smtClean="0"/>
-              <a:t>11/11/2018</a:t>
+              <a:t>22/01/2021</a:t>
             </a:fld>
             <a:endParaRPr lang="pt-BR"/>
           </a:p>
@@ -3054,10 +3049,9 @@
           <a:lstStyle/>
           <a:p>
             <a:r>
-              <a:rPr lang="pt-BR" dirty="0" smtClean="0"/>
+              <a:rPr lang="pt-BR" dirty="0"/>
               <a:t>Estrutura de dados II</a:t>
             </a:r>
-            <a:endParaRPr lang="pt-BR" dirty="0"/>
           </a:p>
         </p:txBody>
       </p:sp>
@@ -3077,10 +3071,9 @@
           <a:lstStyle/>
           <a:p>
             <a:r>
-              <a:rPr lang="pt-BR" dirty="0" smtClean="0"/>
+              <a:rPr lang="pt-BR" dirty="0"/>
               <a:t>Eric Sampaio</a:t>
             </a:r>
-            <a:endParaRPr lang="pt-BR" dirty="0"/>
           </a:p>
         </p:txBody>
       </p:sp>
@@ -3094,13 +3087,6 @@
   <p:clrMapOvr>
     <a:masterClrMapping/>
   </p:clrMapOvr>
-  <p:timing>
-    <p:tnLst>
-      <p:par>
-        <p:cTn id="1" dur="indefinite" restart="never" nodeType="tmRoot"/>
-      </p:par>
-    </p:tnLst>
-  </p:timing>
 </p:sld>
 </file>
 
@@ -3137,10 +3123,9 @@
           <a:lstStyle/>
           <a:p>
             <a:r>
-              <a:rPr lang="pt-BR" dirty="0" smtClean="0"/>
+              <a:rPr lang="pt-BR" dirty="0"/>
               <a:t>Agenda	</a:t>
             </a:r>
-            <a:endParaRPr lang="pt-BR" dirty="0"/>
           </a:p>
         </p:txBody>
       </p:sp>
@@ -3162,45 +3147,41 @@
           <a:lstStyle/>
           <a:p>
             <a:r>
-              <a:rPr lang="pt-BR" dirty="0" smtClean="0"/>
+              <a:rPr lang="pt-BR" dirty="0"/>
               <a:t>Introdução</a:t>
             </a:r>
           </a:p>
           <a:p>
             <a:r>
-              <a:rPr lang="pt-BR" dirty="0" smtClean="0"/>
+              <a:rPr lang="pt-BR" dirty="0"/>
               <a:t>Árvore B	</a:t>
             </a:r>
           </a:p>
           <a:p>
             <a:pPr lvl="1"/>
             <a:r>
-              <a:rPr lang="pt-BR" dirty="0" smtClean="0"/>
+              <a:rPr lang="pt-BR" dirty="0"/>
               <a:t>Inserção</a:t>
             </a:r>
           </a:p>
           <a:p>
             <a:pPr lvl="1"/>
             <a:r>
-              <a:rPr lang="pt-BR" dirty="0" smtClean="0"/>
+              <a:rPr lang="pt-BR" dirty="0"/>
               <a:t>Busca</a:t>
             </a:r>
           </a:p>
           <a:p>
             <a:pPr lvl="1"/>
             <a:r>
-              <a:rPr lang="pt-BR" dirty="0" smtClean="0"/>
+              <a:rPr lang="pt-BR" dirty="0"/>
               <a:t>Remoção</a:t>
             </a:r>
           </a:p>
           <a:p>
             <a:r>
               <a:rPr lang="pt-BR" dirty="0"/>
-              <a:t>Á</a:t>
-            </a:r>
-            <a:r>
-              <a:rPr lang="pt-BR" dirty="0" smtClean="0"/>
-              <a:t>rvore B+</a:t>
+              <a:t>Árvore B+</a:t>
             </a:r>
           </a:p>
           <a:p>
@@ -3239,13 +3220,6 @@
   <p:clrMapOvr>
     <a:masterClrMapping/>
   </p:clrMapOvr>
-  <p:timing>
-    <p:tnLst>
-      <p:par>
-        <p:cTn id="1" dur="indefinite" restart="never" nodeType="tmRoot"/>
-      </p:par>
-    </p:tnLst>
-  </p:timing>
 </p:sld>
 </file>
 
@@ -3282,10 +3256,9 @@
           <a:lstStyle/>
           <a:p>
             <a:r>
-              <a:rPr lang="pt-BR" dirty="0" smtClean="0"/>
+              <a:rPr lang="pt-BR" dirty="0"/>
               <a:t>Árvore B (Inserção)</a:t>
             </a:r>
-            <a:endParaRPr lang="pt-BR" dirty="0"/>
           </a:p>
         </p:txBody>
       </p:sp>
@@ -3307,43 +3280,35 @@
           <a:lstStyle/>
           <a:p>
             <a:r>
-              <a:rPr lang="pt-BR" dirty="0" smtClean="0"/>
+              <a:rPr lang="pt-BR" dirty="0"/>
               <a:t>1- deve-se ter quantidade máxima e mínima de elementos;</a:t>
             </a:r>
           </a:p>
           <a:p>
             <a:r>
-              <a:rPr lang="pt-BR" dirty="0" smtClean="0"/>
+              <a:rPr lang="pt-BR" dirty="0"/>
               <a:t>2- verifica-se se pode consultar</a:t>
             </a:r>
           </a:p>
           <a:p>
             <a:pPr lvl="1"/>
             <a:r>
-              <a:rPr lang="pt-BR" dirty="0" smtClean="0"/>
-              <a:t>2.1- se estiver livre procura onde inserir ( </a:t>
-            </a:r>
-            <a:r>
-              <a:rPr lang="pt-BR" dirty="0" err="1" smtClean="0"/>
-              <a:t>esqueda</a:t>
-            </a:r>
-            <a:r>
-              <a:rPr lang="pt-BR" dirty="0" smtClean="0"/>
-              <a:t> ou direita);</a:t>
+              <a:rPr lang="pt-BR" dirty="0"/>
+              <a:t>2.1- se estiver livre procura onde inserir ( esquerda ou direita);</a:t>
             </a:r>
           </a:p>
           <a:p>
             <a:pPr lvl="1"/>
             <a:r>
-              <a:rPr lang="pt-BR" dirty="0" smtClean="0"/>
+              <a:rPr lang="pt-BR" dirty="0"/>
               <a:t>2.2 se não estiver, faz o </a:t>
             </a:r>
             <a:r>
-              <a:rPr lang="pt-BR" dirty="0" err="1" smtClean="0"/>
+              <a:rPr lang="pt-BR" dirty="0" err="1"/>
               <a:t>split</a:t>
             </a:r>
             <a:r>
-              <a:rPr lang="pt-BR" dirty="0" smtClean="0"/>
+              <a:rPr lang="pt-BR" dirty="0"/>
               <a:t> (quebra), pega o elemento do meio, sobe o mesmo, e este elemento agora se torna a chave, a esquerda dele aponta para os menores e os direito dele aponta para os maiores;</a:t>
             </a:r>
           </a:p>
@@ -3359,13 +3324,6 @@
   <p:clrMapOvr>
     <a:masterClrMapping/>
   </p:clrMapOvr>
-  <p:timing>
-    <p:tnLst>
-      <p:par>
-        <p:cTn id="1" dur="indefinite" restart="never" nodeType="tmRoot"/>
-      </p:par>
-    </p:tnLst>
-  </p:timing>
 </p:sld>
 </file>
 
@@ -3434,13 +3392,6 @@
   <p:clrMapOvr>
     <a:masterClrMapping/>
   </p:clrMapOvr>
-  <p:timing>
-    <p:tnLst>
-      <p:par>
-        <p:cTn id="1" dur="indefinite" restart="never" nodeType="tmRoot"/>
-      </p:par>
-    </p:tnLst>
-  </p:timing>
 </p:sld>
 </file>
 
